--- a/Presentations/Creating a new application.pptx
+++ b/Presentations/Creating a new application.pptx
@@ -5,23 +5,22 @@
     <p:sldMasterId id="2147483672" r:id="rId1"/>
   </p:sldMasterIdLst>
   <p:notesMasterIdLst>
-    <p:notesMasterId r:id="rId16"/>
+    <p:notesMasterId r:id="rId15"/>
   </p:notesMasterIdLst>
   <p:sldIdLst>
     <p:sldId id="256" r:id="rId2"/>
-    <p:sldId id="257" r:id="rId3"/>
-    <p:sldId id="259" r:id="rId4"/>
-    <p:sldId id="261" r:id="rId5"/>
-    <p:sldId id="258" r:id="rId6"/>
-    <p:sldId id="260" r:id="rId7"/>
-    <p:sldId id="262" r:id="rId8"/>
-    <p:sldId id="264" r:id="rId9"/>
-    <p:sldId id="270" r:id="rId10"/>
-    <p:sldId id="265" r:id="rId11"/>
-    <p:sldId id="263" r:id="rId12"/>
-    <p:sldId id="269" r:id="rId13"/>
-    <p:sldId id="268" r:id="rId14"/>
-    <p:sldId id="272" r:id="rId15"/>
+    <p:sldId id="259" r:id="rId3"/>
+    <p:sldId id="261" r:id="rId4"/>
+    <p:sldId id="258" r:id="rId5"/>
+    <p:sldId id="260" r:id="rId6"/>
+    <p:sldId id="262" r:id="rId7"/>
+    <p:sldId id="264" r:id="rId8"/>
+    <p:sldId id="270" r:id="rId9"/>
+    <p:sldId id="265" r:id="rId10"/>
+    <p:sldId id="263" r:id="rId11"/>
+    <p:sldId id="269" r:id="rId12"/>
+    <p:sldId id="268" r:id="rId13"/>
+    <p:sldId id="272" r:id="rId14"/>
   </p:sldIdLst>
   <p:sldSz cx="9144000" cy="6858000" type="screen4x3"/>
   <p:notesSz cx="6858000" cy="9144000"/>
@@ -206,7 +205,7 @@
             <a:fld id="{5817B1DC-6078-4637-BA0D-C9468BEA073B}" type="datetimeFigureOut">
               <a:rPr lang="en-US" smtClean="0"/>
               <a:pPr/>
-              <a:t>6/16/2018</a:t>
+              <a:t>6/18/2018</a:t>
             </a:fld>
             <a:endParaRPr lang="en-US"/>
           </a:p>
@@ -624,6 +623,65 @@
           </a:bodyPr>
           <a:lstStyle/>
           <a:p>
+            <a:pPr marL="0" marR="0" indent="0" algn="l" defTabSz="914400" rtl="0" eaLnBrk="1" fontAlgn="auto" latinLnBrk="0" hangingPunct="1">
+              <a:lnSpc>
+                <a:spcPct val="100000"/>
+              </a:lnSpc>
+              <a:spcBef>
+                <a:spcPts val="0"/>
+              </a:spcBef>
+              <a:spcAft>
+                <a:spcPts val="0"/>
+              </a:spcAft>
+              <a:buClrTx/>
+              <a:buSzTx/>
+              <a:buFontTx/>
+              <a:buNone/>
+              <a:tabLst/>
+              <a:defRPr/>
+            </a:pPr>
+            <a:r>
+              <a:rPr lang="nl-BE" dirty="0" smtClean="0"/>
+              <a:t>Persoonlijk</a:t>
+            </a:r>
+            <a:r>
+              <a:rPr lang="nl-BE" baseline="0" dirty="0" smtClean="0"/>
+              <a:t> proces om deze business case te realiseren</a:t>
+            </a:r>
+            <a:endParaRPr lang="en-US" dirty="0" smtClean="0"/>
+          </a:p>
+          <a:p>
+            <a:endParaRPr lang="nl-BE" dirty="0" smtClean="0"/>
+          </a:p>
+          <a:p>
+            <a:r>
+              <a:rPr lang="nl-BE" dirty="0" smtClean="0"/>
+              <a:t>Brainstorming +</a:t>
+            </a:r>
+            <a:r>
+              <a:rPr lang="nl-BE" baseline="0" dirty="0" smtClean="0"/>
+              <a:t> keuze van een idee</a:t>
+            </a:r>
+            <a:r>
+              <a:rPr lang="nl-BE" dirty="0" smtClean="0"/>
+              <a:t>: wat gaan we</a:t>
+            </a:r>
+            <a:r>
+              <a:rPr lang="nl-BE" baseline="0" dirty="0" smtClean="0"/>
+              <a:t> maken</a:t>
+            </a:r>
+          </a:p>
+          <a:p>
+            <a:r>
+              <a:rPr lang="nl-BE" baseline="0" dirty="0" smtClean="0"/>
+              <a:t>Ontwerp document (basis): wat moet dit systeem doen/kunnen</a:t>
+            </a:r>
+          </a:p>
+          <a:p>
+            <a:r>
+              <a:rPr lang="nl-BE" baseline="0" dirty="0" smtClean="0"/>
+              <a:t>Maken: applicatie ontwikkelen</a:t>
+            </a:r>
             <a:endParaRPr lang="en-US" dirty="0"/>
           </a:p>
         </p:txBody>
@@ -725,46 +783,93 @@
             </a:pPr>
             <a:r>
               <a:rPr lang="nl-BE" dirty="0" smtClean="0"/>
-              <a:t>Persoonlijk</a:t>
+              <a:t>Veel ideeën: maar niet realiseerbaar</a:t>
             </a:r>
             <a:r>
               <a:rPr lang="nl-BE" baseline="0" dirty="0" smtClean="0"/>
-              <a:t> proces om deze business case te realiseren</a:t>
-            </a:r>
-            <a:endParaRPr lang="en-US" dirty="0" smtClean="0"/>
-          </a:p>
-          <a:p>
+              <a:t> (tijd, complexiteit,...)</a:t>
+            </a:r>
             <a:endParaRPr lang="nl-BE" dirty="0" smtClean="0"/>
           </a:p>
           <a:p>
+            <a:pPr marL="0" marR="0" indent="0" algn="l" defTabSz="914400" rtl="0" eaLnBrk="1" fontAlgn="auto" latinLnBrk="0" hangingPunct="1">
+              <a:lnSpc>
+                <a:spcPct val="100000"/>
+              </a:lnSpc>
+              <a:spcBef>
+                <a:spcPts val="0"/>
+              </a:spcBef>
+              <a:spcAft>
+                <a:spcPts val="0"/>
+              </a:spcAft>
+              <a:buClrTx/>
+              <a:buSzTx/>
+              <a:buFontTx/>
+              <a:buNone/>
+              <a:tabLst/>
+              <a:defRPr/>
+            </a:pPr>
             <a:r>
               <a:rPr lang="nl-BE" dirty="0" smtClean="0"/>
-              <a:t>Brainstorming +</a:t>
+              <a:t>Niet te eenvoudig, niet te complex:</a:t>
             </a:r>
             <a:r>
               <a:rPr lang="nl-BE" baseline="0" dirty="0" smtClean="0"/>
-              <a:t> keuze van een idee</a:t>
-            </a:r>
+              <a:t> eenvoudige ingave van data, maar ook iets complexere validatie nodig</a:t>
+            </a:r>
+            <a:endParaRPr lang="nl-BE" dirty="0" smtClean="0"/>
+          </a:p>
+          <a:p>
+            <a:pPr marL="0" marR="0" indent="0" algn="l" defTabSz="914400" rtl="0" eaLnBrk="1" fontAlgn="auto" latinLnBrk="0" hangingPunct="1">
+              <a:lnSpc>
+                <a:spcPct val="100000"/>
+              </a:lnSpc>
+              <a:spcBef>
+                <a:spcPts val="0"/>
+              </a:spcBef>
+              <a:spcAft>
+                <a:spcPts val="0"/>
+              </a:spcAft>
+              <a:buClrTx/>
+              <a:buSzTx/>
+              <a:buFontTx/>
+              <a:buNone/>
+              <a:tabLst/>
+              <a:defRPr/>
+            </a:pPr>
             <a:r>
               <a:rPr lang="nl-BE" dirty="0" smtClean="0"/>
-              <a:t>: wat gaan we</a:t>
+              <a:t>Herkenbaar:</a:t>
             </a:r>
             <a:r>
               <a:rPr lang="nl-BE" baseline="0" dirty="0" smtClean="0"/>
-              <a:t> maken</a:t>
-            </a:r>
-          </a:p>
-          <a:p>
-            <a:r>
-              <a:rPr lang="nl-BE" baseline="0" dirty="0" smtClean="0"/>
-              <a:t>Ontwerp document (basis): wat moet dit systeem doen/kunnen</a:t>
-            </a:r>
-          </a:p>
-          <a:p>
-            <a:r>
-              <a:rPr lang="nl-BE" baseline="0" dirty="0" smtClean="0"/>
-              <a:t>Maken: applicatie ontwikkelen</a:t>
-            </a:r>
+              <a:t> voor iedereen binnen AC Partners</a:t>
+            </a:r>
+          </a:p>
+          <a:p>
+            <a:pPr marL="0" marR="0" indent="0" algn="l" defTabSz="914400" rtl="0" eaLnBrk="1" fontAlgn="auto" latinLnBrk="0" hangingPunct="1">
+              <a:lnSpc>
+                <a:spcPct val="100000"/>
+              </a:lnSpc>
+              <a:spcBef>
+                <a:spcPts val="0"/>
+              </a:spcBef>
+              <a:spcAft>
+                <a:spcPts val="0"/>
+              </a:spcAft>
+              <a:buClrTx/>
+              <a:buSzTx/>
+              <a:buFontTx/>
+              <a:buNone/>
+              <a:tabLst/>
+              <a:defRPr/>
+            </a:pPr>
+            <a:r>
+              <a:rPr lang="nl-BE" dirty="0" smtClean="0"/>
+              <a:t>Efficy: afwezigheidsregistratie</a:t>
+            </a:r>
+          </a:p>
+          <a:p>
             <a:endParaRPr lang="en-US" dirty="0"/>
           </a:p>
         </p:txBody>
@@ -866,13 +971,12 @@
             </a:pPr>
             <a:r>
               <a:rPr lang="nl-BE" dirty="0" smtClean="0"/>
-              <a:t>Veel ideeën: maar niet realiseerbaar</a:t>
+              <a:t>Korte omschrijving van de business case:</a:t>
             </a:r>
             <a:r>
               <a:rPr lang="nl-BE" baseline="0" dirty="0" smtClean="0"/>
-              <a:t> (tijd, complexiteit,...)</a:t>
-            </a:r>
-            <a:endParaRPr lang="nl-BE" dirty="0" smtClean="0"/>
+              <a:t> systeem om afwezigheden bij te houden</a:t>
+            </a:r>
           </a:p>
           <a:p>
             <a:pPr marL="0" marR="0" indent="0" algn="l" defTabSz="914400" rtl="0" eaLnBrk="1" fontAlgn="auto" latinLnBrk="0" hangingPunct="1">
@@ -894,66 +998,13 @@
             </a:pPr>
             <a:r>
               <a:rPr lang="nl-BE" dirty="0" smtClean="0"/>
-              <a:t>Niet te eenvoudig, niet te complex:</a:t>
+              <a:t>Business domein (entiteiten): alle</a:t>
             </a:r>
             <a:r>
               <a:rPr lang="nl-BE" baseline="0" dirty="0" smtClean="0"/>
-              <a:t> eenvoudige ingave van data, maar ook iets complexere validatie nodig</a:t>
+              <a:t> concepten die samen het systeem vormen</a:t>
             </a:r>
             <a:endParaRPr lang="nl-BE" dirty="0" smtClean="0"/>
-          </a:p>
-          <a:p>
-            <a:pPr marL="0" marR="0" indent="0" algn="l" defTabSz="914400" rtl="0" eaLnBrk="1" fontAlgn="auto" latinLnBrk="0" hangingPunct="1">
-              <a:lnSpc>
-                <a:spcPct val="100000"/>
-              </a:lnSpc>
-              <a:spcBef>
-                <a:spcPts val="0"/>
-              </a:spcBef>
-              <a:spcAft>
-                <a:spcPts val="0"/>
-              </a:spcAft>
-              <a:buClrTx/>
-              <a:buSzTx/>
-              <a:buFontTx/>
-              <a:buNone/>
-              <a:tabLst/>
-              <a:defRPr/>
-            </a:pPr>
-            <a:r>
-              <a:rPr lang="nl-BE" dirty="0" smtClean="0"/>
-              <a:t>Herkenbaar:</a:t>
-            </a:r>
-            <a:r>
-              <a:rPr lang="nl-BE" baseline="0" dirty="0" smtClean="0"/>
-              <a:t> voor iedereen binnen AC Partners</a:t>
-            </a:r>
-          </a:p>
-          <a:p>
-            <a:pPr marL="0" marR="0" indent="0" algn="l" defTabSz="914400" rtl="0" eaLnBrk="1" fontAlgn="auto" latinLnBrk="0" hangingPunct="1">
-              <a:lnSpc>
-                <a:spcPct val="100000"/>
-              </a:lnSpc>
-              <a:spcBef>
-                <a:spcPts val="0"/>
-              </a:spcBef>
-              <a:spcAft>
-                <a:spcPts val="0"/>
-              </a:spcAft>
-              <a:buClrTx/>
-              <a:buSzTx/>
-              <a:buFontTx/>
-              <a:buNone/>
-              <a:tabLst/>
-              <a:defRPr/>
-            </a:pPr>
-            <a:r>
-              <a:rPr lang="nl-BE" dirty="0" smtClean="0"/>
-              <a:t>Efficy: afwezigheidsregistratie</a:t>
-            </a:r>
-          </a:p>
-          <a:p>
-            <a:endParaRPr lang="en-US" dirty="0"/>
           </a:p>
         </p:txBody>
       </p:sp>
@@ -1035,59 +1086,15 @@
           </a:bodyPr>
           <a:lstStyle/>
           <a:p>
-            <a:pPr marL="0" marR="0" indent="0" algn="l" defTabSz="914400" rtl="0" eaLnBrk="1" fontAlgn="auto" latinLnBrk="0" hangingPunct="1">
-              <a:lnSpc>
-                <a:spcPct val="100000"/>
-              </a:lnSpc>
-              <a:spcBef>
-                <a:spcPts val="0"/>
-              </a:spcBef>
-              <a:spcAft>
-                <a:spcPts val="0"/>
-              </a:spcAft>
-              <a:buClrTx/>
-              <a:buSzTx/>
-              <a:buFontTx/>
-              <a:buNone/>
-              <a:tabLst/>
-              <a:defRPr/>
-            </a:pPr>
             <a:r>
               <a:rPr lang="nl-BE" dirty="0" smtClean="0"/>
-              <a:t>Korte omschrijving van de business case:</a:t>
+              <a:t>Lijst van functionaliteiten</a:t>
             </a:r>
             <a:r>
               <a:rPr lang="nl-BE" baseline="0" dirty="0" smtClean="0"/>
-              <a:t> systeem om afwezigheden bij te houden</a:t>
-            </a:r>
-          </a:p>
-          <a:p>
-            <a:pPr marL="0" marR="0" indent="0" algn="l" defTabSz="914400" rtl="0" eaLnBrk="1" fontAlgn="auto" latinLnBrk="0" hangingPunct="1">
-              <a:lnSpc>
-                <a:spcPct val="100000"/>
-              </a:lnSpc>
-              <a:spcBef>
-                <a:spcPts val="0"/>
-              </a:spcBef>
-              <a:spcAft>
-                <a:spcPts val="0"/>
-              </a:spcAft>
-              <a:buClrTx/>
-              <a:buSzTx/>
-              <a:buFontTx/>
-              <a:buNone/>
-              <a:tabLst/>
-              <a:defRPr/>
-            </a:pPr>
-            <a:r>
-              <a:rPr lang="nl-BE" dirty="0" smtClean="0"/>
-              <a:t>Business domein (entiteiten): alle</a:t>
-            </a:r>
-            <a:r>
-              <a:rPr lang="nl-BE" baseline="0" dirty="0" smtClean="0"/>
-              <a:t> concepten die samen het systeem vormen</a:t>
-            </a:r>
-            <a:endParaRPr lang="nl-BE" dirty="0" smtClean="0"/>
+              <a:t>: in dit geval verdeeld per gebruikersrol</a:t>
+            </a:r>
+            <a:endParaRPr lang="en-US" dirty="0"/>
           </a:p>
         </p:txBody>
       </p:sp>
@@ -1171,11 +1178,11 @@
           <a:p>
             <a:r>
               <a:rPr lang="nl-BE" dirty="0" smtClean="0"/>
-              <a:t>Lijst van functionaliteiten</a:t>
+              <a:t>Lijst van de</a:t>
             </a:r>
             <a:r>
               <a:rPr lang="nl-BE" baseline="0" dirty="0" smtClean="0"/>
-              <a:t>: in dit geval verdeeld per gebruikersrol</a:t>
+              <a:t> te gebruiken technologieën</a:t>
             </a:r>
             <a:endParaRPr lang="en-US" dirty="0"/>
           </a:p>
@@ -1259,15 +1266,7 @@
           </a:bodyPr>
           <a:lstStyle/>
           <a:p>
-            <a:r>
-              <a:rPr lang="nl-BE" dirty="0" smtClean="0"/>
-              <a:t>Lijst van de</a:t>
-            </a:r>
-            <a:r>
-              <a:rPr lang="nl-BE" baseline="0" dirty="0" smtClean="0"/>
-              <a:t> te gebruiken technologieën</a:t>
-            </a:r>
-            <a:endParaRPr lang="en-US" dirty="0"/>
+            <a:endParaRPr lang="en-US"/>
           </a:p>
         </p:txBody>
       </p:sp>
@@ -1289,89 +1288,7 @@
             <a:fld id="{4CB91F35-665E-45BF-A448-5FB21C35E687}" type="slidenum">
               <a:rPr lang="en-US" smtClean="0"/>
               <a:pPr/>
-              <a:t>7</a:t>
-            </a:fld>
-            <a:endParaRPr lang="en-US"/>
-          </a:p>
-        </p:txBody>
-      </p:sp>
-    </p:spTree>
-  </p:cSld>
-  <p:clrMapOvr>
-    <a:masterClrMapping/>
-  </p:clrMapOvr>
-</p:notes>
-</file>
-
-<file path=ppt/notesSlides/notesSlide8.xml><?xml version="1.0" encoding="utf-8"?>
-<p:notes xmlns:a="http://schemas.openxmlformats.org/drawingml/2006/main" xmlns:r="http://schemas.openxmlformats.org/officeDocument/2006/relationships" xmlns:p="http://schemas.openxmlformats.org/presentationml/2006/main">
-  <p:cSld>
-    <p:spTree>
-      <p:nvGrpSpPr>
-        <p:cNvPr id="1" name=""/>
-        <p:cNvGrpSpPr/>
-        <p:nvPr/>
-      </p:nvGrpSpPr>
-      <p:grpSpPr>
-        <a:xfrm>
-          <a:off x="0" y="0"/>
-          <a:ext cx="0" cy="0"/>
-          <a:chOff x="0" y="0"/>
-          <a:chExt cx="0" cy="0"/>
-        </a:xfrm>
-      </p:grpSpPr>
-      <p:sp>
-        <p:nvSpPr>
-          <p:cNvPr id="2" name="Slide Image Placeholder 1"/>
-          <p:cNvSpPr>
-            <a:spLocks noGrp="1" noRot="1" noChangeAspect="1"/>
-          </p:cNvSpPr>
-          <p:nvPr>
-            <p:ph type="sldImg"/>
-          </p:nvPr>
-        </p:nvSpPr>
-        <p:spPr/>
-      </p:sp>
-      <p:sp>
-        <p:nvSpPr>
-          <p:cNvPr id="3" name="Notes Placeholder 2"/>
-          <p:cNvSpPr>
-            <a:spLocks noGrp="1"/>
-          </p:cNvSpPr>
-          <p:nvPr>
-            <p:ph type="body" idx="1"/>
-          </p:nvPr>
-        </p:nvSpPr>
-        <p:spPr/>
-        <p:txBody>
-          <a:bodyPr>
-            <a:normAutofit/>
-          </a:bodyPr>
-          <a:lstStyle/>
-          <a:p>
-            <a:endParaRPr lang="en-US"/>
-          </a:p>
-        </p:txBody>
-      </p:sp>
-      <p:sp>
-        <p:nvSpPr>
-          <p:cNvPr id="4" name="Slide Number Placeholder 3"/>
-          <p:cNvSpPr>
-            <a:spLocks noGrp="1"/>
-          </p:cNvSpPr>
-          <p:nvPr>
-            <p:ph type="sldNum" sz="quarter" idx="10"/>
-          </p:nvPr>
-        </p:nvSpPr>
-        <p:spPr/>
-        <p:txBody>
-          <a:bodyPr/>
-          <a:lstStyle/>
-          <a:p>
-            <a:fld id="{4CB91F35-665E-45BF-A448-5FB21C35E687}" type="slidenum">
-              <a:rPr lang="en-US" smtClean="0"/>
-              <a:pPr/>
-              <a:t>11</a:t>
+              <a:t>10</a:t>
             </a:fld>
             <a:endParaRPr lang="en-US"/>
           </a:p>
@@ -1692,7 +1609,7 @@
             <a:fld id="{6CA4FFA0-4AF2-4723-BD0B-F882E80740B4}" type="datetimeFigureOut">
               <a:rPr lang="en-US" smtClean="0"/>
               <a:pPr/>
-              <a:t>6/16/2018</a:t>
+              <a:t>6/18/2018</a:t>
             </a:fld>
             <a:endParaRPr lang="en-US"/>
           </a:p>
@@ -1879,7 +1796,7 @@
             <a:fld id="{6CA4FFA0-4AF2-4723-BD0B-F882E80740B4}" type="datetimeFigureOut">
               <a:rPr lang="en-US" smtClean="0"/>
               <a:pPr/>
-              <a:t>6/16/2018</a:t>
+              <a:t>6/18/2018</a:t>
             </a:fld>
             <a:endParaRPr lang="en-US"/>
           </a:p>
@@ -2066,7 +1983,7 @@
             <a:fld id="{6CA4FFA0-4AF2-4723-BD0B-F882E80740B4}" type="datetimeFigureOut">
               <a:rPr lang="en-US" smtClean="0"/>
               <a:pPr/>
-              <a:t>6/16/2018</a:t>
+              <a:t>6/18/2018</a:t>
             </a:fld>
             <a:endParaRPr lang="en-US"/>
           </a:p>
@@ -2253,7 +2170,7 @@
             <a:fld id="{6CA4FFA0-4AF2-4723-BD0B-F882E80740B4}" type="datetimeFigureOut">
               <a:rPr lang="en-US" smtClean="0"/>
               <a:pPr/>
-              <a:t>6/16/2018</a:t>
+              <a:t>6/18/2018</a:t>
             </a:fld>
             <a:endParaRPr lang="en-US"/>
           </a:p>
@@ -2636,7 +2553,7 @@
             <a:fld id="{6CA4FFA0-4AF2-4723-BD0B-F882E80740B4}" type="datetimeFigureOut">
               <a:rPr lang="en-US" smtClean="0"/>
               <a:pPr/>
-              <a:t>6/16/2018</a:t>
+              <a:t>6/18/2018</a:t>
             </a:fld>
             <a:endParaRPr lang="en-US"/>
           </a:p>
@@ -2907,7 +2824,7 @@
             <a:fld id="{6CA4FFA0-4AF2-4723-BD0B-F882E80740B4}" type="datetimeFigureOut">
               <a:rPr lang="en-US" smtClean="0"/>
               <a:pPr/>
-              <a:t>6/16/2018</a:t>
+              <a:t>6/18/2018</a:t>
             </a:fld>
             <a:endParaRPr lang="en-US"/>
           </a:p>
@@ -3294,7 +3211,7 @@
             <a:fld id="{6CA4FFA0-4AF2-4723-BD0B-F882E80740B4}" type="datetimeFigureOut">
               <a:rPr lang="en-US" smtClean="0"/>
               <a:pPr/>
-              <a:t>6/16/2018</a:t>
+              <a:t>6/18/2018</a:t>
             </a:fld>
             <a:endParaRPr lang="en-US"/>
           </a:p>
@@ -3417,7 +3334,7 @@
             <a:fld id="{6CA4FFA0-4AF2-4723-BD0B-F882E80740B4}" type="datetimeFigureOut">
               <a:rPr lang="en-US" smtClean="0"/>
               <a:pPr/>
-              <a:t>6/16/2018</a:t>
+              <a:t>6/18/2018</a:t>
             </a:fld>
             <a:endParaRPr lang="en-US"/>
           </a:p>
@@ -3599,7 +3516,7 @@
             <a:fld id="{6CA4FFA0-4AF2-4723-BD0B-F882E80740B4}" type="datetimeFigureOut">
               <a:rPr lang="en-US" smtClean="0"/>
               <a:pPr/>
-              <a:t>6/16/2018</a:t>
+              <a:t>6/18/2018</a:t>
             </a:fld>
             <a:endParaRPr lang="en-US"/>
           </a:p>
@@ -3935,7 +3852,7 @@
             <a:fld id="{6CA4FFA0-4AF2-4723-BD0B-F882E80740B4}" type="datetimeFigureOut">
               <a:rPr lang="en-US" smtClean="0"/>
               <a:pPr/>
-              <a:t>6/16/2018</a:t>
+              <a:t>6/18/2018</a:t>
             </a:fld>
             <a:endParaRPr lang="en-US"/>
           </a:p>
@@ -4306,7 +4223,7 @@
             <a:fld id="{6CA4FFA0-4AF2-4723-BD0B-F882E80740B4}" type="datetimeFigureOut">
               <a:rPr lang="en-US" smtClean="0"/>
               <a:pPr/>
-              <a:t>6/16/2018</a:t>
+              <a:t>6/18/2018</a:t>
             </a:fld>
             <a:endParaRPr lang="en-US"/>
           </a:p>
@@ -4726,7 +4643,7 @@
             <a:fld id="{6CA4FFA0-4AF2-4723-BD0B-F882E80740B4}" type="datetimeFigureOut">
               <a:rPr lang="en-US" smtClean="0"/>
               <a:pPr/>
-              <a:t>6/16/2018</a:t>
+              <a:t>6/18/2018</a:t>
             </a:fld>
             <a:endParaRPr lang="en-US"/>
           </a:p>
@@ -5334,112 +5251,6 @@
         </p:nvSpPr>
         <p:spPr/>
         <p:txBody>
-          <a:bodyPr/>
-          <a:lstStyle/>
-          <a:p>
-            <a:r>
-              <a:rPr lang="nl-BE" dirty="0" smtClean="0"/>
-              <a:t>Maken</a:t>
-            </a:r>
-            <a:endParaRPr lang="en-US" dirty="0"/>
-          </a:p>
-        </p:txBody>
-      </p:sp>
-      <p:sp>
-        <p:nvSpPr>
-          <p:cNvPr id="3" name="Content Placeholder 2"/>
-          <p:cNvSpPr>
-            <a:spLocks noGrp="1"/>
-          </p:cNvSpPr>
-          <p:nvPr>
-            <p:ph idx="1"/>
-          </p:nvPr>
-        </p:nvSpPr>
-        <p:spPr/>
-        <p:txBody>
-          <a:bodyPr/>
-          <a:lstStyle/>
-          <a:p>
-            <a:r>
-              <a:rPr lang="nl-BE" dirty="0" smtClean="0"/>
-              <a:t>Database model</a:t>
-            </a:r>
-          </a:p>
-          <a:p>
-            <a:r>
-              <a:rPr lang="nl-BE" dirty="0" smtClean="0"/>
-              <a:t>Applicatie architectuur</a:t>
-            </a:r>
-          </a:p>
-          <a:p>
-            <a:r>
-              <a:rPr lang="nl-BE" dirty="0" smtClean="0"/>
-              <a:t>Technologieën per laag</a:t>
-            </a:r>
-          </a:p>
-          <a:p>
-            <a:r>
-              <a:rPr lang="nl-BE" dirty="0" smtClean="0"/>
-              <a:t>Flow van 1 functionaliteit</a:t>
-            </a:r>
-            <a:endParaRPr lang="nl-BE" dirty="0" smtClean="0"/>
-          </a:p>
-          <a:p>
-            <a:endParaRPr lang="nl-BE" dirty="0" smtClean="0"/>
-          </a:p>
-          <a:p>
-            <a:r>
-              <a:rPr lang="nl-BE" dirty="0" smtClean="0"/>
-              <a:t>Concepten</a:t>
-            </a:r>
-            <a:endParaRPr lang="nl-BE" dirty="0" smtClean="0"/>
-          </a:p>
-          <a:p>
-            <a:r>
-              <a:rPr lang="nl-BE" dirty="0" smtClean="0"/>
-              <a:t>Code</a:t>
-            </a:r>
-            <a:endParaRPr lang="en-US" dirty="0"/>
-          </a:p>
-        </p:txBody>
-      </p:sp>
-    </p:spTree>
-  </p:cSld>
-  <p:clrMapOvr>
-    <a:masterClrMapping/>
-  </p:clrMapOvr>
-</p:sld>
-</file>
-
-<file path=ppt/slides/slide11.xml><?xml version="1.0" encoding="utf-8"?>
-<p:sld xmlns:a="http://schemas.openxmlformats.org/drawingml/2006/main" xmlns:r="http://schemas.openxmlformats.org/officeDocument/2006/relationships" xmlns:p="http://schemas.openxmlformats.org/presentationml/2006/main">
-  <p:cSld>
-    <p:spTree>
-      <p:nvGrpSpPr>
-        <p:cNvPr id="1" name=""/>
-        <p:cNvGrpSpPr/>
-        <p:nvPr/>
-      </p:nvGrpSpPr>
-      <p:grpSpPr>
-        <a:xfrm>
-          <a:off x="0" y="0"/>
-          <a:ext cx="0" cy="0"/>
-          <a:chOff x="0" y="0"/>
-          <a:chExt cx="0" cy="0"/>
-        </a:xfrm>
-      </p:grpSpPr>
-      <p:sp>
-        <p:nvSpPr>
-          <p:cNvPr id="2" name="Title 1"/>
-          <p:cNvSpPr>
-            <a:spLocks noGrp="1"/>
-          </p:cNvSpPr>
-          <p:nvPr>
-            <p:ph type="title"/>
-          </p:nvPr>
-        </p:nvSpPr>
-        <p:spPr/>
-        <p:txBody>
           <a:bodyPr>
             <a:normAutofit/>
           </a:bodyPr>
@@ -5494,7 +5305,7 @@
 </p:sld>
 </file>
 
-<file path=ppt/slides/slide12.xml><?xml version="1.0" encoding="utf-8"?>
+<file path=ppt/slides/slide11.xml><?xml version="1.0" encoding="utf-8"?>
 <p:sld xmlns:a="http://schemas.openxmlformats.org/drawingml/2006/main" xmlns:r="http://schemas.openxmlformats.org/officeDocument/2006/relationships" xmlns:p="http://schemas.openxmlformats.org/presentationml/2006/main">
   <p:cSld>
     <p:spTree>
@@ -6175,7 +5986,7 @@
 </p:sld>
 </file>
 
-<file path=ppt/slides/slide13.xml><?xml version="1.0" encoding="utf-8"?>
+<file path=ppt/slides/slide12.xml><?xml version="1.0" encoding="utf-8"?>
 <p:sld xmlns:a="http://schemas.openxmlformats.org/drawingml/2006/main" xmlns:r="http://schemas.openxmlformats.org/officeDocument/2006/relationships" xmlns:p="http://schemas.openxmlformats.org/presentationml/2006/main">
   <p:cSld>
     <p:spTree>
@@ -7124,15 +6935,7 @@
                   <a:schemeClr val="accent4"/>
                 </a:solidFill>
               </a:rPr>
-              <a:t>Entity </a:t>
-            </a:r>
-            <a:r>
-              <a:rPr lang="en-US" dirty="0" smtClean="0">
-                <a:solidFill>
-                  <a:schemeClr val="accent4"/>
-                </a:solidFill>
-              </a:rPr>
-              <a:t>Framework Core</a:t>
+              <a:t>Entity Framework Core</a:t>
             </a:r>
             <a:endParaRPr lang="en-US" dirty="0">
               <a:solidFill>
@@ -7265,7 +7068,7 @@
 </p:sld>
 </file>
 
-<file path=ppt/slides/slide14.xml><?xml version="1.0" encoding="utf-8"?>
+<file path=ppt/slides/slide13.xml><?xml version="1.0" encoding="utf-8"?>
 <p:sld xmlns:a="http://schemas.openxmlformats.org/drawingml/2006/main" xmlns:r="http://schemas.openxmlformats.org/officeDocument/2006/relationships" xmlns:p="http://schemas.openxmlformats.org/presentationml/2006/main">
   <p:cSld>
     <p:spTree>
@@ -7377,7 +7180,7 @@
           <a:p>
             <a:r>
               <a:rPr lang="nl-BE" dirty="0" smtClean="0"/>
-              <a:t>Overzicht</a:t>
+              <a:t>Proces</a:t>
             </a:r>
             <a:endParaRPr lang="en-US" dirty="0"/>
           </a:p>
@@ -7395,12 +7198,26 @@
         </p:nvSpPr>
         <p:spPr/>
         <p:txBody>
-          <a:bodyPr/>
+          <a:bodyPr>
+            <a:normAutofit/>
+          </a:bodyPr>
           <a:lstStyle/>
           <a:p>
             <a:r>
               <a:rPr lang="nl-BE" dirty="0" smtClean="0"/>
-              <a:t>TODO</a:t>
+              <a:t>Brainstorming + keuze van een idee</a:t>
+            </a:r>
+          </a:p>
+          <a:p>
+            <a:r>
+              <a:rPr lang="nl-BE" dirty="0" smtClean="0"/>
+              <a:t>Ontwerp document (basis)</a:t>
+            </a:r>
+          </a:p>
+          <a:p>
+            <a:r>
+              <a:rPr lang="nl-BE" dirty="0" smtClean="0"/>
+              <a:t>Maken</a:t>
             </a:r>
           </a:p>
         </p:txBody>
@@ -7410,6 +7227,13 @@
   <p:clrMapOvr>
     <a:masterClrMapping/>
   </p:clrMapOvr>
+  <p:timing>
+    <p:tnLst>
+      <p:par>
+        <p:cTn id="1" dur="indefinite" restart="never" nodeType="tmRoot"/>
+      </p:par>
+    </p:tnLst>
+  </p:timing>
 </p:sld>
 </file>
 
@@ -7442,65 +7266,108 @@
         </p:nvSpPr>
         <p:spPr/>
         <p:txBody>
+          <a:bodyPr>
+            <a:normAutofit fontScale="90000"/>
+          </a:bodyPr>
+          <a:lstStyle/>
+          <a:p>
+            <a:r>
+              <a:rPr lang="nl-BE" dirty="0" smtClean="0"/>
+              <a:t>Brainstorming +</a:t>
+            </a:r>
+            <a:br>
+              <a:rPr lang="nl-BE" dirty="0" smtClean="0"/>
+            </a:br>
+            <a:r>
+              <a:rPr lang="nl-BE" dirty="0" smtClean="0"/>
+              <a:t>keuze van een idee</a:t>
+            </a:r>
+          </a:p>
+        </p:txBody>
+      </p:sp>
+      <p:sp>
+        <p:nvSpPr>
+          <p:cNvPr id="3" name="Content Placeholder 2"/>
+          <p:cNvSpPr>
+            <a:spLocks noGrp="1"/>
+          </p:cNvSpPr>
+          <p:nvPr>
+            <p:ph idx="1"/>
+          </p:nvPr>
+        </p:nvSpPr>
+        <p:spPr/>
+        <p:txBody>
           <a:bodyPr/>
           <a:lstStyle/>
           <a:p>
             <a:r>
               <a:rPr lang="nl-BE" dirty="0" smtClean="0"/>
-              <a:t>Proces</a:t>
-            </a:r>
+              <a:t>Veel ideeën</a:t>
+            </a:r>
+          </a:p>
+          <a:p>
+            <a:r>
+              <a:rPr lang="nl-BE" dirty="0" smtClean="0"/>
+              <a:t>Niet te eenvoudig, niet te complex</a:t>
+            </a:r>
+          </a:p>
+          <a:p>
+            <a:r>
+              <a:rPr lang="nl-BE" dirty="0" smtClean="0"/>
+              <a:t>Herkenbaar</a:t>
+            </a:r>
+          </a:p>
+          <a:p>
+            <a:r>
+              <a:rPr lang="nl-BE" dirty="0" smtClean="0"/>
+              <a:t>Efficy: afwezigheidsregistratie</a:t>
+            </a:r>
+          </a:p>
+          <a:p>
+            <a:pPr>
+              <a:buNone/>
+            </a:pPr>
             <a:endParaRPr lang="en-US" dirty="0"/>
           </a:p>
         </p:txBody>
       </p:sp>
-      <p:sp>
-        <p:nvSpPr>
-          <p:cNvPr id="3" name="Content Placeholder 2"/>
-          <p:cNvSpPr>
-            <a:spLocks noGrp="1"/>
-          </p:cNvSpPr>
-          <p:nvPr>
-            <p:ph idx="1"/>
-          </p:nvPr>
-        </p:nvSpPr>
-        <p:spPr/>
-        <p:txBody>
-          <a:bodyPr>
-            <a:normAutofit/>
-          </a:bodyPr>
-          <a:lstStyle/>
-          <a:p>
-            <a:r>
-              <a:rPr lang="nl-BE" dirty="0" smtClean="0"/>
-              <a:t>Brainstorming + keuze van een idee</a:t>
-            </a:r>
-          </a:p>
-          <a:p>
-            <a:r>
-              <a:rPr lang="nl-BE" dirty="0" smtClean="0"/>
-              <a:t>Ontwerp document (basis)</a:t>
-            </a:r>
-          </a:p>
-          <a:p>
-            <a:r>
-              <a:rPr lang="nl-BE" dirty="0" smtClean="0"/>
-              <a:t>Maken</a:t>
-            </a:r>
-          </a:p>
-        </p:txBody>
-      </p:sp>
+      <p:pic>
+        <p:nvPicPr>
+          <p:cNvPr id="4" name="Picture 3"/>
+          <p:cNvPicPr>
+            <a:picLocks noChangeAspect="1" noChangeArrowheads="1"/>
+          </p:cNvPicPr>
+          <p:nvPr/>
+        </p:nvPicPr>
+        <p:blipFill>
+          <a:blip r:embed="rId3" cstate="print"/>
+          <a:srcRect/>
+          <a:stretch>
+            <a:fillRect/>
+          </a:stretch>
+        </p:blipFill>
+        <p:spPr bwMode="auto">
+          <a:xfrm>
+            <a:off x="1239301" y="2492896"/>
+            <a:ext cx="6665398" cy="2520280"/>
+          </a:xfrm>
+          <a:prstGeom prst="rect">
+            <a:avLst/>
+          </a:prstGeom>
+          <a:noFill/>
+          <a:ln w="9525">
+            <a:noFill/>
+            <a:miter lim="800000"/>
+            <a:headEnd/>
+            <a:tailEnd/>
+          </a:ln>
+        </p:spPr>
+      </p:pic>
     </p:spTree>
   </p:cSld>
   <p:clrMapOvr>
     <a:masterClrMapping/>
   </p:clrMapOvr>
-  <p:timing>
-    <p:tnLst>
-      <p:par>
-        <p:cTn id="1" dur="indefinite" restart="never" nodeType="tmRoot"/>
-      </p:par>
-    </p:tnLst>
-  </p:timing>
 </p:sld>
 </file>
 
@@ -7534,60 +7401,107 @@
         <p:spPr/>
         <p:txBody>
           <a:bodyPr>
-            <a:normAutofit fontScale="90000"/>
+            <a:normAutofit/>
           </a:bodyPr>
           <a:lstStyle/>
           <a:p>
             <a:r>
               <a:rPr lang="nl-BE" dirty="0" smtClean="0"/>
-              <a:t>Brainstorming +</a:t>
-            </a:r>
-            <a:br>
+              <a:t>Ontwerp document (basis)</a:t>
+            </a:r>
+          </a:p>
+        </p:txBody>
+      </p:sp>
+      <p:sp>
+        <p:nvSpPr>
+          <p:cNvPr id="3" name="Content Placeholder 2"/>
+          <p:cNvSpPr>
+            <a:spLocks noGrp="1"/>
+          </p:cNvSpPr>
+          <p:nvPr>
+            <p:ph idx="1"/>
+          </p:nvPr>
+        </p:nvSpPr>
+        <p:spPr/>
+        <p:txBody>
+          <a:bodyPr>
+            <a:normAutofit/>
+          </a:bodyPr>
+          <a:lstStyle/>
+          <a:p>
+            <a:r>
               <a:rPr lang="nl-BE" dirty="0" smtClean="0"/>
-            </a:br>
+              <a:t>Korte omschrijving van de business case</a:t>
+            </a:r>
+          </a:p>
+          <a:p>
             <a:r>
               <a:rPr lang="nl-BE" dirty="0" smtClean="0"/>
-              <a:t>keuze van een idee</a:t>
-            </a:r>
-          </a:p>
-        </p:txBody>
-      </p:sp>
-      <p:sp>
-        <p:nvSpPr>
-          <p:cNvPr id="3" name="Content Placeholder 2"/>
-          <p:cNvSpPr>
-            <a:spLocks noGrp="1"/>
-          </p:cNvSpPr>
-          <p:nvPr>
-            <p:ph idx="1"/>
-          </p:nvPr>
-        </p:nvSpPr>
-        <p:spPr/>
-        <p:txBody>
-          <a:bodyPr/>
-          <a:lstStyle/>
-          <a:p>
+              <a:t>Business domein (entiteiten)</a:t>
+            </a:r>
+          </a:p>
+          <a:p>
+            <a:pPr lvl="1"/>
             <a:r>
               <a:rPr lang="nl-BE" dirty="0" smtClean="0"/>
-              <a:t>Veel ideeën</a:t>
-            </a:r>
-          </a:p>
-          <a:p>
+              <a:t>User</a:t>
+            </a:r>
+          </a:p>
+          <a:p>
+            <a:pPr lvl="2"/>
             <a:r>
               <a:rPr lang="nl-BE" dirty="0" smtClean="0"/>
-              <a:t>Niet te eenvoudig, niet te complex</a:t>
-            </a:r>
-          </a:p>
-          <a:p>
+              <a:t>Vb: Filip Nuyts, Stijn Peeters, Ingrid De Keyser,...</a:t>
+            </a:r>
+          </a:p>
+          <a:p>
+            <a:pPr lvl="1"/>
             <a:r>
               <a:rPr lang="nl-BE" dirty="0" smtClean="0"/>
-              <a:t>Herkenbaar</a:t>
-            </a:r>
-          </a:p>
-          <a:p>
+              <a:t>Role</a:t>
+            </a:r>
+          </a:p>
+          <a:p>
+            <a:pPr lvl="2"/>
             <a:r>
               <a:rPr lang="nl-BE" dirty="0" smtClean="0"/>
-              <a:t>Efficy: afwezigheidsregistratie</a:t>
+              <a:t>Vb: Employee, Manager, System administrator</a:t>
+            </a:r>
+          </a:p>
+          <a:p>
+            <a:pPr lvl="1"/>
+            <a:r>
+              <a:rPr lang="nl-BE" dirty="0" smtClean="0"/>
+              <a:t>Holidayrequest</a:t>
+            </a:r>
+          </a:p>
+          <a:p>
+            <a:pPr lvl="2"/>
+            <a:r>
+              <a:rPr lang="nl-BE" dirty="0" smtClean="0"/>
+              <a:t>Vb: Filip Nuyts is afwezig op 20/05/2018</a:t>
+            </a:r>
+          </a:p>
+          <a:p>
+            <a:pPr lvl="1"/>
+            <a:r>
+              <a:rPr lang="nl-BE" dirty="0" smtClean="0"/>
+              <a:t>Holidaytype</a:t>
+            </a:r>
+          </a:p>
+          <a:p>
+            <a:pPr lvl="2"/>
+            <a:r>
+              <a:rPr lang="nl-BE" dirty="0" smtClean="0"/>
+              <a:t>Vb: </a:t>
+            </a:r>
+            <a:r>
+              <a:rPr lang="en-GB" dirty="0" smtClean="0"/>
+              <a:t>Paid holiday, Normal holiday, Sick-leave</a:t>
+            </a:r>
+            <a:r>
+              <a:rPr lang="nl-BE" dirty="0" smtClean="0"/>
+              <a:t>, ...</a:t>
             </a:r>
           </a:p>
           <a:p>
@@ -7598,38 +7512,6 @@
           </a:p>
         </p:txBody>
       </p:sp>
-      <p:pic>
-        <p:nvPicPr>
-          <p:cNvPr id="4" name="Picture 3"/>
-          <p:cNvPicPr>
-            <a:picLocks noChangeAspect="1" noChangeArrowheads="1"/>
-          </p:cNvPicPr>
-          <p:nvPr/>
-        </p:nvPicPr>
-        <p:blipFill>
-          <a:blip r:embed="rId3" cstate="print"/>
-          <a:srcRect/>
-          <a:stretch>
-            <a:fillRect/>
-          </a:stretch>
-        </p:blipFill>
-        <p:spPr bwMode="auto">
-          <a:xfrm>
-            <a:off x="1239301" y="2492896"/>
-            <a:ext cx="6665398" cy="2520280"/>
-          </a:xfrm>
-          <a:prstGeom prst="rect">
-            <a:avLst/>
-          </a:prstGeom>
-          <a:noFill/>
-          <a:ln w="9525">
-            <a:noFill/>
-            <a:miter lim="800000"/>
-            <a:headEnd/>
-            <a:tailEnd/>
-          </a:ln>
-        </p:spPr>
-      </p:pic>
     </p:spTree>
   </p:cSld>
   <p:clrMapOvr>
@@ -7667,6 +7549,29 @@
         </p:nvSpPr>
         <p:spPr/>
         <p:txBody>
+          <a:bodyPr/>
+          <a:lstStyle/>
+          <a:p>
+            <a:r>
+              <a:rPr lang="nl-BE" dirty="0" smtClean="0"/>
+              <a:t>Ontwerp document (basis)</a:t>
+            </a:r>
+            <a:endParaRPr lang="en-US" dirty="0"/>
+          </a:p>
+        </p:txBody>
+      </p:sp>
+      <p:sp>
+        <p:nvSpPr>
+          <p:cNvPr id="3" name="Content Placeholder 2"/>
+          <p:cNvSpPr>
+            <a:spLocks noGrp="1"/>
+          </p:cNvSpPr>
+          <p:nvPr>
+            <p:ph idx="1"/>
+          </p:nvPr>
+        </p:nvSpPr>
+        <p:spPr/>
+        <p:txBody>
           <a:bodyPr>
             <a:normAutofit/>
           </a:bodyPr>
@@ -7674,108 +7579,50 @@
           <a:p>
             <a:r>
               <a:rPr lang="nl-BE" dirty="0" smtClean="0"/>
-              <a:t>Ontwerp document (basis)</a:t>
-            </a:r>
-          </a:p>
-        </p:txBody>
-      </p:sp>
-      <p:sp>
-        <p:nvSpPr>
-          <p:cNvPr id="3" name="Content Placeholder 2"/>
-          <p:cNvSpPr>
-            <a:spLocks noGrp="1"/>
-          </p:cNvSpPr>
-          <p:nvPr>
-            <p:ph idx="1"/>
-          </p:nvPr>
-        </p:nvSpPr>
-        <p:spPr/>
-        <p:txBody>
-          <a:bodyPr>
-            <a:normAutofit/>
-          </a:bodyPr>
-          <a:lstStyle/>
-          <a:p>
+              <a:t>Functionaliteiten (per role)</a:t>
+            </a:r>
+          </a:p>
+          <a:p>
+            <a:pPr lvl="1"/>
             <a:r>
               <a:rPr lang="nl-BE" dirty="0" smtClean="0"/>
-              <a:t>Korte omschrijving van de business case</a:t>
-            </a:r>
-          </a:p>
-          <a:p>
+              <a:t>Employee</a:t>
+            </a:r>
+          </a:p>
+          <a:p>
+            <a:pPr lvl="2"/>
             <a:r>
               <a:rPr lang="nl-BE" dirty="0" smtClean="0"/>
-              <a:t>Business domein (entiteiten)</a:t>
+              <a:t>Vb: Registratie van afwezigheid</a:t>
             </a:r>
           </a:p>
           <a:p>
             <a:pPr lvl="1"/>
             <a:r>
               <a:rPr lang="nl-BE" dirty="0" smtClean="0"/>
-              <a:t>User</a:t>
+              <a:t>Manager</a:t>
             </a:r>
           </a:p>
           <a:p>
             <a:pPr lvl="2"/>
             <a:r>
               <a:rPr lang="nl-BE" dirty="0" smtClean="0"/>
-              <a:t>Vb: Filip Nuyts, Stijn Peeters, Ingrid De Keyser,...</a:t>
+              <a:t>Vb: Afwezigheid goedkeuren/weigeren</a:t>
             </a:r>
           </a:p>
           <a:p>
             <a:pPr lvl="1"/>
             <a:r>
               <a:rPr lang="nl-BE" dirty="0" smtClean="0"/>
-              <a:t>Role</a:t>
+              <a:t>System administrator</a:t>
             </a:r>
           </a:p>
           <a:p>
             <a:pPr lvl="2"/>
             <a:r>
               <a:rPr lang="nl-BE" dirty="0" smtClean="0"/>
-              <a:t>Vb: Employee, Manager, System administrator</a:t>
-            </a:r>
-          </a:p>
-          <a:p>
-            <a:pPr lvl="1"/>
-            <a:r>
-              <a:rPr lang="nl-BE" dirty="0" smtClean="0"/>
-              <a:t>Holidayrequest</a:t>
-            </a:r>
-          </a:p>
-          <a:p>
-            <a:pPr lvl="2"/>
-            <a:r>
-              <a:rPr lang="nl-BE" dirty="0" smtClean="0"/>
-              <a:t>Vb: Filip Nuyts is afwezig op 20/05/2018</a:t>
-            </a:r>
-          </a:p>
-          <a:p>
-            <a:pPr lvl="1"/>
-            <a:r>
-              <a:rPr lang="nl-BE" dirty="0" smtClean="0"/>
-              <a:t>Holidaytype</a:t>
-            </a:r>
-          </a:p>
-          <a:p>
-            <a:pPr lvl="2"/>
-            <a:r>
-              <a:rPr lang="nl-BE" dirty="0" smtClean="0"/>
-              <a:t>Vb: </a:t>
-            </a:r>
-            <a:r>
-              <a:rPr lang="en-GB" dirty="0" smtClean="0"/>
-              <a:t>Paid holiday, Normal holiday, Sick-leave</a:t>
-            </a:r>
-            <a:r>
-              <a:rPr lang="nl-BE" dirty="0" smtClean="0"/>
-              <a:t>, ...</a:t>
-            </a:r>
-          </a:p>
-          <a:p>
-            <a:pPr>
-              <a:buNone/>
-            </a:pPr>
-            <a:endParaRPr lang="en-US" dirty="0"/>
+              <a:t>Vb: Toevoegen van holidaytypes, rechten toekennen aan gebruiker</a:t>
+            </a:r>
           </a:p>
         </p:txBody>
       </p:sp>
@@ -7840,55 +7687,96 @@
         <p:spPr/>
         <p:txBody>
           <a:bodyPr>
-            <a:normAutofit/>
+            <a:normAutofit fontScale="92500" lnSpcReduction="20000"/>
           </a:bodyPr>
           <a:lstStyle/>
           <a:p>
             <a:r>
               <a:rPr lang="nl-BE" dirty="0" smtClean="0"/>
-              <a:t>Functionaliteiten (per role)</a:t>
+              <a:t>Technologieën</a:t>
             </a:r>
           </a:p>
           <a:p>
             <a:pPr lvl="1"/>
             <a:r>
               <a:rPr lang="nl-BE" dirty="0" smtClean="0"/>
-              <a:t>Employee</a:t>
+              <a:t>.Net Core</a:t>
+            </a:r>
+          </a:p>
+          <a:p>
+            <a:pPr lvl="1"/>
+            <a:r>
+              <a:rPr lang="nl-BE" dirty="0" smtClean="0"/>
+              <a:t>Entity Framework Core</a:t>
+            </a:r>
+          </a:p>
+          <a:p>
+            <a:pPr lvl="1"/>
+            <a:r>
+              <a:rPr lang="nl-BE" dirty="0" smtClean="0"/>
+              <a:t>Docker hosting</a:t>
+            </a:r>
+          </a:p>
+          <a:p>
+            <a:pPr lvl="1"/>
+            <a:r>
+              <a:rPr lang="nl-BE" dirty="0" smtClean="0"/>
+              <a:t>Validatie</a:t>
             </a:r>
           </a:p>
           <a:p>
             <a:pPr lvl="2"/>
             <a:r>
               <a:rPr lang="nl-BE" dirty="0" smtClean="0"/>
-              <a:t>Vb: Registratie van afwezigheid</a:t>
+              <a:t>Vb: FluentValidation</a:t>
             </a:r>
           </a:p>
           <a:p>
             <a:pPr lvl="1"/>
             <a:r>
               <a:rPr lang="nl-BE" dirty="0" smtClean="0"/>
-              <a:t>Manager</a:t>
+              <a:t>Authenticatie en authorisatie</a:t>
             </a:r>
           </a:p>
           <a:p>
             <a:pPr lvl="2"/>
             <a:r>
               <a:rPr lang="nl-BE" dirty="0" smtClean="0"/>
-              <a:t>Vb: Afwezigheid goedkeuren/weigeren</a:t>
+              <a:t>Vb: Identity Server, OAuth 2.0</a:t>
             </a:r>
           </a:p>
           <a:p>
             <a:pPr lvl="1"/>
             <a:r>
               <a:rPr lang="nl-BE" dirty="0" smtClean="0"/>
-              <a:t>System administrator</a:t>
+              <a:t>Database technologie</a:t>
             </a:r>
           </a:p>
           <a:p>
             <a:pPr lvl="2"/>
             <a:r>
               <a:rPr lang="nl-BE" dirty="0" smtClean="0"/>
-              <a:t>Vb: Toevoegen van holidaytypes, rechten toekennen aan gebruiker</a:t>
+              <a:t>Vb: SQL Server 2016</a:t>
+            </a:r>
+          </a:p>
+          <a:p>
+            <a:pPr lvl="1"/>
+            <a:r>
+              <a:rPr lang="nl-BE" dirty="0" smtClean="0"/>
+              <a:t>...</a:t>
+            </a:r>
+          </a:p>
+          <a:p>
+            <a:r>
+              <a:rPr lang="nl-BE" dirty="0" smtClean="0"/>
+              <a:t>Prototypes van schermen</a:t>
+            </a:r>
+          </a:p>
+          <a:p>
+            <a:pPr lvl="1"/>
+            <a:r>
+              <a:rPr lang="nl-BE" dirty="0" smtClean="0"/>
+              <a:t>Geen (enkel backend)</a:t>
             </a:r>
           </a:p>
         </p:txBody>
@@ -7902,161 +7790,6 @@
 </file>
 
 <file path=ppt/slides/slide7.xml><?xml version="1.0" encoding="utf-8"?>
-<p:sld xmlns:a="http://schemas.openxmlformats.org/drawingml/2006/main" xmlns:r="http://schemas.openxmlformats.org/officeDocument/2006/relationships" xmlns:p="http://schemas.openxmlformats.org/presentationml/2006/main">
-  <p:cSld>
-    <p:spTree>
-      <p:nvGrpSpPr>
-        <p:cNvPr id="1" name=""/>
-        <p:cNvGrpSpPr/>
-        <p:nvPr/>
-      </p:nvGrpSpPr>
-      <p:grpSpPr>
-        <a:xfrm>
-          <a:off x="0" y="0"/>
-          <a:ext cx="0" cy="0"/>
-          <a:chOff x="0" y="0"/>
-          <a:chExt cx="0" cy="0"/>
-        </a:xfrm>
-      </p:grpSpPr>
-      <p:sp>
-        <p:nvSpPr>
-          <p:cNvPr id="2" name="Title 1"/>
-          <p:cNvSpPr>
-            <a:spLocks noGrp="1"/>
-          </p:cNvSpPr>
-          <p:nvPr>
-            <p:ph type="title"/>
-          </p:nvPr>
-        </p:nvSpPr>
-        <p:spPr/>
-        <p:txBody>
-          <a:bodyPr/>
-          <a:lstStyle/>
-          <a:p>
-            <a:r>
-              <a:rPr lang="nl-BE" dirty="0" smtClean="0"/>
-              <a:t>Ontwerp document (basis)</a:t>
-            </a:r>
-            <a:endParaRPr lang="en-US" dirty="0"/>
-          </a:p>
-        </p:txBody>
-      </p:sp>
-      <p:sp>
-        <p:nvSpPr>
-          <p:cNvPr id="3" name="Content Placeholder 2"/>
-          <p:cNvSpPr>
-            <a:spLocks noGrp="1"/>
-          </p:cNvSpPr>
-          <p:nvPr>
-            <p:ph idx="1"/>
-          </p:nvPr>
-        </p:nvSpPr>
-        <p:spPr/>
-        <p:txBody>
-          <a:bodyPr>
-            <a:normAutofit fontScale="92500" lnSpcReduction="20000"/>
-          </a:bodyPr>
-          <a:lstStyle/>
-          <a:p>
-            <a:r>
-              <a:rPr lang="nl-BE" dirty="0" smtClean="0"/>
-              <a:t>Technologieën</a:t>
-            </a:r>
-          </a:p>
-          <a:p>
-            <a:pPr lvl="1"/>
-            <a:r>
-              <a:rPr lang="nl-BE" dirty="0" smtClean="0"/>
-              <a:t>.Net Core</a:t>
-            </a:r>
-          </a:p>
-          <a:p>
-            <a:pPr lvl="1"/>
-            <a:r>
-              <a:rPr lang="nl-BE" dirty="0" smtClean="0"/>
-              <a:t>Entity Framework Core</a:t>
-            </a:r>
-          </a:p>
-          <a:p>
-            <a:pPr lvl="1"/>
-            <a:r>
-              <a:rPr lang="nl-BE" dirty="0" smtClean="0"/>
-              <a:t>Docker hosting</a:t>
-            </a:r>
-          </a:p>
-          <a:p>
-            <a:pPr lvl="1"/>
-            <a:r>
-              <a:rPr lang="nl-BE" dirty="0" smtClean="0"/>
-              <a:t>Validatie</a:t>
-            </a:r>
-          </a:p>
-          <a:p>
-            <a:pPr lvl="2"/>
-            <a:r>
-              <a:rPr lang="nl-BE" dirty="0" smtClean="0"/>
-              <a:t>Vb: FluentValidation</a:t>
-            </a:r>
-          </a:p>
-          <a:p>
-            <a:pPr lvl="1"/>
-            <a:r>
-              <a:rPr lang="nl-BE" dirty="0" smtClean="0"/>
-              <a:t>Authenticatie en authorisatie</a:t>
-            </a:r>
-          </a:p>
-          <a:p>
-            <a:pPr lvl="2"/>
-            <a:r>
-              <a:rPr lang="nl-BE" dirty="0" smtClean="0"/>
-              <a:t>Vb: Identity Server, OAuth 2.0</a:t>
-            </a:r>
-          </a:p>
-          <a:p>
-            <a:pPr lvl="1"/>
-            <a:r>
-              <a:rPr lang="nl-BE" dirty="0" smtClean="0"/>
-              <a:t>Database technologie</a:t>
-            </a:r>
-          </a:p>
-          <a:p>
-            <a:pPr lvl="2"/>
-            <a:r>
-              <a:rPr lang="nl-BE" dirty="0" smtClean="0"/>
-              <a:t>Vb: SQL Server 2016</a:t>
-            </a:r>
-          </a:p>
-          <a:p>
-            <a:pPr lvl="1"/>
-            <a:r>
-              <a:rPr lang="nl-BE" dirty="0" smtClean="0"/>
-              <a:t>...</a:t>
-            </a:r>
-          </a:p>
-          <a:p>
-            <a:r>
-              <a:rPr lang="nl-BE" dirty="0" smtClean="0"/>
-              <a:t>Prototypes van schermen</a:t>
-            </a:r>
-          </a:p>
-          <a:p>
-            <a:pPr lvl="1"/>
-            <a:r>
-              <a:rPr lang="nl-BE" dirty="0" smtClean="0"/>
-              <a:t>Geen (enkel backend)</a:t>
-            </a:r>
-          </a:p>
-        </p:txBody>
-      </p:sp>
-    </p:spTree>
-  </p:cSld>
-  <p:clrMapOvr>
-    <a:masterClrMapping/>
-  </p:clrMapOvr>
-</p:sld>
-</file>
-
-<file path=ppt/slides/slide8.xml><?xml version="1.0" encoding="utf-8"?>
 <p:sld xmlns:a="http://schemas.openxmlformats.org/drawingml/2006/main" xmlns:r="http://schemas.openxmlformats.org/officeDocument/2006/relationships" xmlns:p="http://schemas.openxmlformats.org/presentationml/2006/main">
   <p:cSld>
     <p:spTree>
@@ -8168,7 +7901,7 @@
 </p:sld>
 </file>
 
-<file path=ppt/slides/slide9.xml><?xml version="1.0" encoding="utf-8"?>
+<file path=ppt/slides/slide8.xml><?xml version="1.0" encoding="utf-8"?>
 <p:sld xmlns:a="http://schemas.openxmlformats.org/drawingml/2006/main" xmlns:r="http://schemas.openxmlformats.org/officeDocument/2006/relationships" xmlns:p="http://schemas.openxmlformats.org/presentationml/2006/main">
   <p:cSld>
     <p:spTree>
@@ -8234,15 +7967,7 @@
           <a:p>
             <a:r>
               <a:rPr lang="nl-BE" dirty="0" smtClean="0"/>
-              <a:t>Registratie </a:t>
-            </a:r>
-            <a:r>
-              <a:rPr lang="nl-BE" dirty="0" smtClean="0"/>
-              <a:t>van </a:t>
-            </a:r>
-            <a:r>
-              <a:rPr lang="nl-BE" dirty="0" smtClean="0"/>
-              <a:t>afwezigheid</a:t>
+              <a:t>Registratie van afwezigheid</a:t>
             </a:r>
           </a:p>
         </p:txBody>
@@ -8412,6 +8137,101 @@
           </a:ln>
         </p:spPr>
       </p:pic>
+    </p:spTree>
+  </p:cSld>
+  <p:clrMapOvr>
+    <a:masterClrMapping/>
+  </p:clrMapOvr>
+</p:sld>
+</file>
+
+<file path=ppt/slides/slide9.xml><?xml version="1.0" encoding="utf-8"?>
+<p:sld xmlns:a="http://schemas.openxmlformats.org/drawingml/2006/main" xmlns:r="http://schemas.openxmlformats.org/officeDocument/2006/relationships" xmlns:p="http://schemas.openxmlformats.org/presentationml/2006/main">
+  <p:cSld>
+    <p:spTree>
+      <p:nvGrpSpPr>
+        <p:cNvPr id="1" name=""/>
+        <p:cNvGrpSpPr/>
+        <p:nvPr/>
+      </p:nvGrpSpPr>
+      <p:grpSpPr>
+        <a:xfrm>
+          <a:off x="0" y="0"/>
+          <a:ext cx="0" cy="0"/>
+          <a:chOff x="0" y="0"/>
+          <a:chExt cx="0" cy="0"/>
+        </a:xfrm>
+      </p:grpSpPr>
+      <p:sp>
+        <p:nvSpPr>
+          <p:cNvPr id="2" name="Title 1"/>
+          <p:cNvSpPr>
+            <a:spLocks noGrp="1"/>
+          </p:cNvSpPr>
+          <p:nvPr>
+            <p:ph type="title"/>
+          </p:nvPr>
+        </p:nvSpPr>
+        <p:spPr/>
+        <p:txBody>
+          <a:bodyPr/>
+          <a:lstStyle/>
+          <a:p>
+            <a:r>
+              <a:rPr lang="nl-BE" dirty="0" smtClean="0"/>
+              <a:t>Maken</a:t>
+            </a:r>
+            <a:endParaRPr lang="en-US" dirty="0"/>
+          </a:p>
+        </p:txBody>
+      </p:sp>
+      <p:sp>
+        <p:nvSpPr>
+          <p:cNvPr id="3" name="Content Placeholder 2"/>
+          <p:cNvSpPr>
+            <a:spLocks noGrp="1"/>
+          </p:cNvSpPr>
+          <p:nvPr>
+            <p:ph idx="1"/>
+          </p:nvPr>
+        </p:nvSpPr>
+        <p:spPr/>
+        <p:txBody>
+          <a:bodyPr/>
+          <a:lstStyle/>
+          <a:p>
+            <a:r>
+              <a:rPr lang="nl-BE" dirty="0" smtClean="0"/>
+              <a:t>Database model</a:t>
+            </a:r>
+          </a:p>
+          <a:p>
+            <a:r>
+              <a:rPr lang="nl-BE" dirty="0" smtClean="0"/>
+              <a:t>Applicatie architectuur</a:t>
+            </a:r>
+          </a:p>
+          <a:p>
+            <a:r>
+              <a:rPr lang="nl-BE" dirty="0" smtClean="0"/>
+              <a:t>Technologieën per laag</a:t>
+            </a:r>
+          </a:p>
+          <a:p>
+            <a:r>
+              <a:rPr lang="nl-BE" dirty="0" smtClean="0"/>
+              <a:t>Flow van 1 functionaliteit</a:t>
+            </a:r>
+          </a:p>
+          <a:p>
+            <a:r>
+              <a:rPr lang="nl-BE" dirty="0" smtClean="0"/>
+              <a:t>Code</a:t>
+            </a:r>
+            <a:endParaRPr lang="en-US" dirty="0"/>
+          </a:p>
+        </p:txBody>
+      </p:sp>
     </p:spTree>
   </p:cSld>
   <p:clrMapOvr>
